--- a/slides/block7.pptx
+++ b/slides/block7.pptx
@@ -5,13 +5,14 @@
     <p:sldMasterId id="2147483648" r:id="rId1"/>
   </p:sldMasterIdLst>
   <p:notesMasterIdLst>
-    <p:notesMasterId r:id="rId6"/>
+    <p:notesMasterId r:id="rId7"/>
   </p:notesMasterIdLst>
   <p:sldIdLst>
     <p:sldId id="256" r:id="rId2"/>
     <p:sldId id="294" r:id="rId3"/>
     <p:sldId id="295" r:id="rId4"/>
     <p:sldId id="296" r:id="rId5"/>
+    <p:sldId id="297" r:id="rId6"/>
   </p:sldIdLst>
   <p:sldSz cx="12192000" cy="6858000"/>
   <p:notesSz cx="6858000" cy="9144000"/>
@@ -200,7 +201,7 @@
           <a:p>
             <a:fld id="{3F5DAF9C-BFBB-7344-81B1-BA27AD60250B}" type="datetimeFigureOut">
               <a:rPr lang="en-KW" smtClean="0"/>
-              <a:t>10/10/2025</a:t>
+              <a:t>21/10/2025</a:t>
             </a:fld>
             <a:endParaRPr lang="en-KW"/>
           </a:p>
@@ -617,7 +618,7 @@
           <a:p>
             <a:fld id="{AB78BAB4-45D1-EE48-BF00-BF3F291908FD}" type="datetimeFigureOut">
               <a:rPr lang="en-KW" smtClean="0"/>
-              <a:t>10/10/2025</a:t>
+              <a:t>21/10/2025</a:t>
             </a:fld>
             <a:endParaRPr lang="en-KW"/>
           </a:p>
@@ -817,7 +818,7 @@
           <a:p>
             <a:fld id="{AB78BAB4-45D1-EE48-BF00-BF3F291908FD}" type="datetimeFigureOut">
               <a:rPr lang="en-KW" smtClean="0"/>
-              <a:t>10/10/2025</a:t>
+              <a:t>21/10/2025</a:t>
             </a:fld>
             <a:endParaRPr lang="en-KW"/>
           </a:p>
@@ -1027,7 +1028,7 @@
           <a:p>
             <a:fld id="{AB78BAB4-45D1-EE48-BF00-BF3F291908FD}" type="datetimeFigureOut">
               <a:rPr lang="en-KW" smtClean="0"/>
-              <a:t>10/10/2025</a:t>
+              <a:t>21/10/2025</a:t>
             </a:fld>
             <a:endParaRPr lang="en-KW"/>
           </a:p>
@@ -1250,7 +1251,7 @@
           <a:p>
             <a:fld id="{AB78BAB4-45D1-EE48-BF00-BF3F291908FD}" type="datetimeFigureOut">
               <a:rPr lang="en-KW" smtClean="0"/>
-              <a:t>10/10/2025</a:t>
+              <a:t>21/10/2025</a:t>
             </a:fld>
             <a:endParaRPr lang="en-KW"/>
           </a:p>
@@ -1526,7 +1527,7 @@
           <a:p>
             <a:fld id="{AB78BAB4-45D1-EE48-BF00-BF3F291908FD}" type="datetimeFigureOut">
               <a:rPr lang="en-KW" smtClean="0"/>
-              <a:t>10/10/2025</a:t>
+              <a:t>21/10/2025</a:t>
             </a:fld>
             <a:endParaRPr lang="en-KW"/>
           </a:p>
@@ -1838,7 +1839,7 @@
           <a:p>
             <a:fld id="{AB78BAB4-45D1-EE48-BF00-BF3F291908FD}" type="datetimeFigureOut">
               <a:rPr lang="en-KW" smtClean="0"/>
-              <a:t>10/10/2025</a:t>
+              <a:t>21/10/2025</a:t>
             </a:fld>
             <a:endParaRPr lang="en-KW"/>
           </a:p>
@@ -2269,7 +2270,7 @@
           <a:p>
             <a:fld id="{AB78BAB4-45D1-EE48-BF00-BF3F291908FD}" type="datetimeFigureOut">
               <a:rPr lang="en-KW" smtClean="0"/>
-              <a:t>10/10/2025</a:t>
+              <a:t>21/10/2025</a:t>
             </a:fld>
             <a:endParaRPr lang="en-KW"/>
           </a:p>
@@ -2411,7 +2412,7 @@
           <a:p>
             <a:fld id="{AB78BAB4-45D1-EE48-BF00-BF3F291908FD}" type="datetimeFigureOut">
               <a:rPr lang="en-KW" smtClean="0"/>
-              <a:t>10/10/2025</a:t>
+              <a:t>21/10/2025</a:t>
             </a:fld>
             <a:endParaRPr lang="en-KW"/>
           </a:p>
@@ -2524,7 +2525,7 @@
           <a:p>
             <a:fld id="{AB78BAB4-45D1-EE48-BF00-BF3F291908FD}" type="datetimeFigureOut">
               <a:rPr lang="en-KW" smtClean="0"/>
-              <a:t>10/10/2025</a:t>
+              <a:t>21/10/2025</a:t>
             </a:fld>
             <a:endParaRPr lang="en-KW"/>
           </a:p>
@@ -2837,7 +2838,7 @@
           <a:p>
             <a:fld id="{AB78BAB4-45D1-EE48-BF00-BF3F291908FD}" type="datetimeFigureOut">
               <a:rPr lang="en-KW" smtClean="0"/>
-              <a:t>10/10/2025</a:t>
+              <a:t>21/10/2025</a:t>
             </a:fld>
             <a:endParaRPr lang="en-KW"/>
           </a:p>
@@ -3126,7 +3127,7 @@
           <a:p>
             <a:fld id="{AB78BAB4-45D1-EE48-BF00-BF3F291908FD}" type="datetimeFigureOut">
               <a:rPr lang="en-KW" smtClean="0"/>
-              <a:t>10/10/2025</a:t>
+              <a:t>21/10/2025</a:t>
             </a:fld>
             <a:endParaRPr lang="en-KW"/>
           </a:p>
@@ -3369,7 +3370,7 @@
           <a:p>
             <a:fld id="{AB78BAB4-45D1-EE48-BF00-BF3F291908FD}" type="datetimeFigureOut">
               <a:rPr lang="en-KW" smtClean="0"/>
-              <a:t>10/10/2025</a:t>
+              <a:t>21/10/2025</a:t>
             </a:fld>
             <a:endParaRPr lang="en-KW"/>
           </a:p>
@@ -3949,22 +3950,80 @@
                       <a:srgbClr val="00B0F0"/>
                     </a:solidFill>
                   </a:rPr>
-                  <a:t>MPG = b0 + b1 * HP + b2 * Cylinders</a:t>
+                  <a:t>MPG = b</a:t>
+                </a:r>
+                <a:r>
+                  <a:rPr lang="en-KW" baseline="-25000" dirty="0">
+                    <a:solidFill>
+                      <a:srgbClr val="00B0F0"/>
+                    </a:solidFill>
+                  </a:rPr>
+                  <a:t>0</a:t>
+                </a:r>
+                <a:r>
+                  <a:rPr lang="en-KW" dirty="0">
+                    <a:solidFill>
+                      <a:srgbClr val="00B0F0"/>
+                    </a:solidFill>
+                  </a:rPr>
+                  <a:t> + b</a:t>
+                </a:r>
+                <a:r>
+                  <a:rPr lang="en-KW" baseline="-25000" dirty="0">
+                    <a:solidFill>
+                      <a:srgbClr val="00B0F0"/>
+                    </a:solidFill>
+                  </a:rPr>
+                  <a:t>1</a:t>
+                </a:r>
+                <a:r>
+                  <a:rPr lang="en-KW" dirty="0">
+                    <a:solidFill>
+                      <a:srgbClr val="00B0F0"/>
+                    </a:solidFill>
+                  </a:rPr>
+                  <a:t> * HP + b</a:t>
+                </a:r>
+                <a:r>
+                  <a:rPr lang="en-KW" baseline="-25000" dirty="0">
+                    <a:solidFill>
+                      <a:srgbClr val="00B0F0"/>
+                    </a:solidFill>
+                  </a:rPr>
+                  <a:t>2</a:t>
+                </a:r>
+                <a:r>
+                  <a:rPr lang="en-KW" dirty="0">
+                    <a:solidFill>
+                      <a:srgbClr val="00B0F0"/>
+                    </a:solidFill>
+                  </a:rPr>
+                  <a:t> * Cylinders</a:t>
                 </a:r>
               </a:p>
               <a:p>
                 <a:pPr lvl="1"/>
                 <a:r>
                   <a:rPr lang="en-KW" dirty="0"/>
-                  <a:t>A unit increase in horsepower increases expected MPG by b1</a:t>
+                  <a:t>A unit increase in horsepower increases expected MPG by b</a:t>
                 </a:r>
+                <a:r>
+                  <a:rPr lang="en-KW" baseline="-25000" dirty="0"/>
+                  <a:t>1</a:t>
+                </a:r>
+                <a:endParaRPr lang="en-KW" dirty="0"/>
               </a:p>
               <a:p>
                 <a:pPr lvl="1"/>
                 <a:r>
                   <a:rPr lang="en-KW" dirty="0"/>
-                  <a:t>A unit increase in cylinders increases expected MPG by b2</a:t>
+                  <a:t>A unit increase in cylinders increases expected MPG by b</a:t>
                 </a:r>
+                <a:r>
+                  <a:rPr lang="en-KW" baseline="-25000" dirty="0"/>
+                  <a:t>2</a:t>
+                </a:r>
+                <a:endParaRPr lang="en-KW" dirty="0"/>
               </a:p>
               <a:p>
                 <a:pPr marL="0" indent="0">
@@ -3972,7 +4031,7 @@
                 </a:pPr>
                 <a:r>
                   <a:rPr lang="en-KW" dirty="0"/>
-                  <a:t>How?</a:t>
+                  <a:t>Why?</a:t>
                 </a:r>
               </a:p>
               <a:p>
@@ -4603,6 +4662,503 @@
   <p:clrMapOvr>
     <a:masterClrMapping/>
   </p:clrMapOvr>
+  <p:timing>
+    <p:tnLst>
+      <p:par>
+        <p:cTn id="1" dur="indefinite" restart="never" nodeType="tmRoot">
+          <p:childTnLst>
+            <p:seq concurrent="1" nextAc="seek">
+              <p:cTn id="2" dur="indefinite" nodeType="mainSeq">
+                <p:childTnLst>
+                  <p:par>
+                    <p:cTn id="3" fill="hold">
+                      <p:stCondLst>
+                        <p:cond delay="indefinite"/>
+                      </p:stCondLst>
+                      <p:childTnLst>
+                        <p:par>
+                          <p:cTn id="4" fill="hold">
+                            <p:stCondLst>
+                              <p:cond delay="0"/>
+                            </p:stCondLst>
+                            <p:childTnLst>
+                              <p:par>
+                                <p:cTn id="5" presetID="1" presetClass="entr" presetSubtype="0" fill="hold" nodeType="clickEffect">
+                                  <p:stCondLst>
+                                    <p:cond delay="0"/>
+                                  </p:stCondLst>
+                                  <p:childTnLst>
+                                    <p:set>
+                                      <p:cBhvr>
+                                        <p:cTn id="6" dur="1" fill="hold">
+                                          <p:stCondLst>
+                                            <p:cond delay="0"/>
+                                          </p:stCondLst>
+                                        </p:cTn>
+                                        <p:tgtEl>
+                                          <p:spTgt spid="6">
+                                            <p:txEl>
+                                              <p:pRg st="0" end="0"/>
+                                            </p:txEl>
+                                          </p:spTgt>
+                                        </p:tgtEl>
+                                        <p:attrNameLst>
+                                          <p:attrName>style.visibility</p:attrName>
+                                        </p:attrNameLst>
+                                      </p:cBhvr>
+                                      <p:to>
+                                        <p:strVal val="visible"/>
+                                      </p:to>
+                                    </p:set>
+                                  </p:childTnLst>
+                                </p:cTn>
+                              </p:par>
+                              <p:par>
+                                <p:cTn id="7" presetID="1" presetClass="entr" presetSubtype="0" fill="hold" nodeType="withEffect">
+                                  <p:stCondLst>
+                                    <p:cond delay="0"/>
+                                  </p:stCondLst>
+                                  <p:childTnLst>
+                                    <p:set>
+                                      <p:cBhvr>
+                                        <p:cTn id="8" dur="1" fill="hold">
+                                          <p:stCondLst>
+                                            <p:cond delay="0"/>
+                                          </p:stCondLst>
+                                        </p:cTn>
+                                        <p:tgtEl>
+                                          <p:spTgt spid="6">
+                                            <p:txEl>
+                                              <p:pRg st="1" end="1"/>
+                                            </p:txEl>
+                                          </p:spTgt>
+                                        </p:tgtEl>
+                                        <p:attrNameLst>
+                                          <p:attrName>style.visibility</p:attrName>
+                                        </p:attrNameLst>
+                                      </p:cBhvr>
+                                      <p:to>
+                                        <p:strVal val="visible"/>
+                                      </p:to>
+                                    </p:set>
+                                  </p:childTnLst>
+                                </p:cTn>
+                              </p:par>
+                            </p:childTnLst>
+                          </p:cTn>
+                        </p:par>
+                      </p:childTnLst>
+                    </p:cTn>
+                  </p:par>
+                  <p:par>
+                    <p:cTn id="9" fill="hold">
+                      <p:stCondLst>
+                        <p:cond delay="indefinite"/>
+                      </p:stCondLst>
+                      <p:childTnLst>
+                        <p:par>
+                          <p:cTn id="10" fill="hold">
+                            <p:stCondLst>
+                              <p:cond delay="0"/>
+                            </p:stCondLst>
+                            <p:childTnLst>
+                              <p:par>
+                                <p:cTn id="11" presetID="1" presetClass="entr" presetSubtype="0" fill="hold" nodeType="clickEffect">
+                                  <p:stCondLst>
+                                    <p:cond delay="0"/>
+                                  </p:stCondLst>
+                                  <p:childTnLst>
+                                    <p:set>
+                                      <p:cBhvr>
+                                        <p:cTn id="12" dur="1" fill="hold">
+                                          <p:stCondLst>
+                                            <p:cond delay="0"/>
+                                          </p:stCondLst>
+                                        </p:cTn>
+                                        <p:tgtEl>
+                                          <p:spTgt spid="6">
+                                            <p:txEl>
+                                              <p:pRg st="2" end="2"/>
+                                            </p:txEl>
+                                          </p:spTgt>
+                                        </p:tgtEl>
+                                        <p:attrNameLst>
+                                          <p:attrName>style.visibility</p:attrName>
+                                        </p:attrNameLst>
+                                      </p:cBhvr>
+                                      <p:to>
+                                        <p:strVal val="visible"/>
+                                      </p:to>
+                                    </p:set>
+                                  </p:childTnLst>
+                                </p:cTn>
+                              </p:par>
+                              <p:par>
+                                <p:cTn id="13" presetID="1" presetClass="entr" presetSubtype="0" fill="hold" nodeType="withEffect">
+                                  <p:stCondLst>
+                                    <p:cond delay="0"/>
+                                  </p:stCondLst>
+                                  <p:childTnLst>
+                                    <p:set>
+                                      <p:cBhvr>
+                                        <p:cTn id="14" dur="1" fill="hold">
+                                          <p:stCondLst>
+                                            <p:cond delay="0"/>
+                                          </p:stCondLst>
+                                        </p:cTn>
+                                        <p:tgtEl>
+                                          <p:spTgt spid="6">
+                                            <p:txEl>
+                                              <p:pRg st="3" end="3"/>
+                                            </p:txEl>
+                                          </p:spTgt>
+                                        </p:tgtEl>
+                                        <p:attrNameLst>
+                                          <p:attrName>style.visibility</p:attrName>
+                                        </p:attrNameLst>
+                                      </p:cBhvr>
+                                      <p:to>
+                                        <p:strVal val="visible"/>
+                                      </p:to>
+                                    </p:set>
+                                  </p:childTnLst>
+                                </p:cTn>
+                              </p:par>
+                            </p:childTnLst>
+                          </p:cTn>
+                        </p:par>
+                      </p:childTnLst>
+                    </p:cTn>
+                  </p:par>
+                  <p:par>
+                    <p:cTn id="15" fill="hold">
+                      <p:stCondLst>
+                        <p:cond delay="indefinite"/>
+                      </p:stCondLst>
+                      <p:childTnLst>
+                        <p:par>
+                          <p:cTn id="16" fill="hold">
+                            <p:stCondLst>
+                              <p:cond delay="0"/>
+                            </p:stCondLst>
+                            <p:childTnLst>
+                              <p:par>
+                                <p:cTn id="17" presetID="1" presetClass="entr" presetSubtype="0" fill="hold" nodeType="clickEffect">
+                                  <p:stCondLst>
+                                    <p:cond delay="0"/>
+                                  </p:stCondLst>
+                                  <p:childTnLst>
+                                    <p:set>
+                                      <p:cBhvr>
+                                        <p:cTn id="18" dur="1" fill="hold">
+                                          <p:stCondLst>
+                                            <p:cond delay="0"/>
+                                          </p:stCondLst>
+                                        </p:cTn>
+                                        <p:tgtEl>
+                                          <p:spTgt spid="6">
+                                            <p:txEl>
+                                              <p:pRg st="4" end="4"/>
+                                            </p:txEl>
+                                          </p:spTgt>
+                                        </p:tgtEl>
+                                        <p:attrNameLst>
+                                          <p:attrName>style.visibility</p:attrName>
+                                        </p:attrNameLst>
+                                      </p:cBhvr>
+                                      <p:to>
+                                        <p:strVal val="visible"/>
+                                      </p:to>
+                                    </p:set>
+                                  </p:childTnLst>
+                                </p:cTn>
+                              </p:par>
+                            </p:childTnLst>
+                          </p:cTn>
+                        </p:par>
+                      </p:childTnLst>
+                    </p:cTn>
+                  </p:par>
+                  <p:par>
+                    <p:cTn id="19" fill="hold">
+                      <p:stCondLst>
+                        <p:cond delay="indefinite"/>
+                      </p:stCondLst>
+                      <p:childTnLst>
+                        <p:par>
+                          <p:cTn id="20" fill="hold">
+                            <p:stCondLst>
+                              <p:cond delay="0"/>
+                            </p:stCondLst>
+                            <p:childTnLst>
+                              <p:par>
+                                <p:cTn id="21" presetID="1" presetClass="entr" presetSubtype="0" fill="hold" nodeType="clickEffect">
+                                  <p:stCondLst>
+                                    <p:cond delay="0"/>
+                                  </p:stCondLst>
+                                  <p:childTnLst>
+                                    <p:set>
+                                      <p:cBhvr>
+                                        <p:cTn id="22" dur="1" fill="hold">
+                                          <p:stCondLst>
+                                            <p:cond delay="0"/>
+                                          </p:stCondLst>
+                                        </p:cTn>
+                                        <p:tgtEl>
+                                          <p:spTgt spid="6">
+                                            <p:txEl>
+                                              <p:pRg st="5" end="5"/>
+                                            </p:txEl>
+                                          </p:spTgt>
+                                        </p:tgtEl>
+                                        <p:attrNameLst>
+                                          <p:attrName>style.visibility</p:attrName>
+                                        </p:attrNameLst>
+                                      </p:cBhvr>
+                                      <p:to>
+                                        <p:strVal val="visible"/>
+                                      </p:to>
+                                    </p:set>
+                                  </p:childTnLst>
+                                </p:cTn>
+                              </p:par>
+                            </p:childTnLst>
+                          </p:cTn>
+                        </p:par>
+                      </p:childTnLst>
+                    </p:cTn>
+                  </p:par>
+                  <p:par>
+                    <p:cTn id="23" fill="hold">
+                      <p:stCondLst>
+                        <p:cond delay="indefinite"/>
+                      </p:stCondLst>
+                      <p:childTnLst>
+                        <p:par>
+                          <p:cTn id="24" fill="hold">
+                            <p:stCondLst>
+                              <p:cond delay="0"/>
+                            </p:stCondLst>
+                            <p:childTnLst>
+                              <p:par>
+                                <p:cTn id="25" presetID="1" presetClass="entr" presetSubtype="0" fill="hold" nodeType="clickEffect">
+                                  <p:stCondLst>
+                                    <p:cond delay="0"/>
+                                  </p:stCondLst>
+                                  <p:childTnLst>
+                                    <p:set>
+                                      <p:cBhvr>
+                                        <p:cTn id="26" dur="1" fill="hold">
+                                          <p:stCondLst>
+                                            <p:cond delay="0"/>
+                                          </p:stCondLst>
+                                        </p:cTn>
+                                        <p:tgtEl>
+                                          <p:spTgt spid="6">
+                                            <p:txEl>
+                                              <p:pRg st="6" end="6"/>
+                                            </p:txEl>
+                                          </p:spTgt>
+                                        </p:tgtEl>
+                                        <p:attrNameLst>
+                                          <p:attrName>style.visibility</p:attrName>
+                                        </p:attrNameLst>
+                                      </p:cBhvr>
+                                      <p:to>
+                                        <p:strVal val="visible"/>
+                                      </p:to>
+                                    </p:set>
+                                  </p:childTnLst>
+                                </p:cTn>
+                              </p:par>
+                            </p:childTnLst>
+                          </p:cTn>
+                        </p:par>
+                      </p:childTnLst>
+                    </p:cTn>
+                  </p:par>
+                  <p:par>
+                    <p:cTn id="27" fill="hold">
+                      <p:stCondLst>
+                        <p:cond delay="indefinite"/>
+                      </p:stCondLst>
+                      <p:childTnLst>
+                        <p:par>
+                          <p:cTn id="28" fill="hold">
+                            <p:stCondLst>
+                              <p:cond delay="0"/>
+                            </p:stCondLst>
+                            <p:childTnLst>
+                              <p:par>
+                                <p:cTn id="29" presetID="1" presetClass="entr" presetSubtype="0" fill="hold" nodeType="clickEffect">
+                                  <p:stCondLst>
+                                    <p:cond delay="0"/>
+                                  </p:stCondLst>
+                                  <p:childTnLst>
+                                    <p:set>
+                                      <p:cBhvr>
+                                        <p:cTn id="30" dur="1" fill="hold">
+                                          <p:stCondLst>
+                                            <p:cond delay="0"/>
+                                          </p:stCondLst>
+                                        </p:cTn>
+                                        <p:tgtEl>
+                                          <p:spTgt spid="6">
+                                            <p:txEl>
+                                              <p:pRg st="7" end="7"/>
+                                            </p:txEl>
+                                          </p:spTgt>
+                                        </p:tgtEl>
+                                        <p:attrNameLst>
+                                          <p:attrName>style.visibility</p:attrName>
+                                        </p:attrNameLst>
+                                      </p:cBhvr>
+                                      <p:to>
+                                        <p:strVal val="visible"/>
+                                      </p:to>
+                                    </p:set>
+                                  </p:childTnLst>
+                                </p:cTn>
+                              </p:par>
+                            </p:childTnLst>
+                          </p:cTn>
+                        </p:par>
+                      </p:childTnLst>
+                    </p:cTn>
+                  </p:par>
+                  <p:par>
+                    <p:cTn id="31" fill="hold">
+                      <p:stCondLst>
+                        <p:cond delay="indefinite"/>
+                      </p:stCondLst>
+                      <p:childTnLst>
+                        <p:par>
+                          <p:cTn id="32" fill="hold">
+                            <p:stCondLst>
+                              <p:cond delay="0"/>
+                            </p:stCondLst>
+                            <p:childTnLst>
+                              <p:par>
+                                <p:cTn id="33" presetID="1" presetClass="entr" presetSubtype="0" fill="hold" nodeType="clickEffect">
+                                  <p:stCondLst>
+                                    <p:cond delay="0"/>
+                                  </p:stCondLst>
+                                  <p:childTnLst>
+                                    <p:set>
+                                      <p:cBhvr>
+                                        <p:cTn id="34" dur="1" fill="hold">
+                                          <p:stCondLst>
+                                            <p:cond delay="0"/>
+                                          </p:stCondLst>
+                                        </p:cTn>
+                                        <p:tgtEl>
+                                          <p:spTgt spid="6">
+                                            <p:txEl>
+                                              <p:pRg st="8" end="8"/>
+                                            </p:txEl>
+                                          </p:spTgt>
+                                        </p:tgtEl>
+                                        <p:attrNameLst>
+                                          <p:attrName>style.visibility</p:attrName>
+                                        </p:attrNameLst>
+                                      </p:cBhvr>
+                                      <p:to>
+                                        <p:strVal val="visible"/>
+                                      </p:to>
+                                    </p:set>
+                                  </p:childTnLst>
+                                </p:cTn>
+                              </p:par>
+                              <p:par>
+                                <p:cTn id="35" presetID="1" presetClass="entr" presetSubtype="0" fill="hold" nodeType="withEffect">
+                                  <p:stCondLst>
+                                    <p:cond delay="0"/>
+                                  </p:stCondLst>
+                                  <p:childTnLst>
+                                    <p:set>
+                                      <p:cBhvr>
+                                        <p:cTn id="36" dur="1" fill="hold">
+                                          <p:stCondLst>
+                                            <p:cond delay="0"/>
+                                          </p:stCondLst>
+                                        </p:cTn>
+                                        <p:tgtEl>
+                                          <p:spTgt spid="6">
+                                            <p:txEl>
+                                              <p:pRg st="9" end="9"/>
+                                            </p:txEl>
+                                          </p:spTgt>
+                                        </p:tgtEl>
+                                        <p:attrNameLst>
+                                          <p:attrName>style.visibility</p:attrName>
+                                        </p:attrNameLst>
+                                      </p:cBhvr>
+                                      <p:to>
+                                        <p:strVal val="visible"/>
+                                      </p:to>
+                                    </p:set>
+                                  </p:childTnLst>
+                                </p:cTn>
+                              </p:par>
+                              <p:par>
+                                <p:cTn id="37" presetID="1" presetClass="entr" presetSubtype="0" fill="hold" nodeType="withEffect">
+                                  <p:stCondLst>
+                                    <p:cond delay="0"/>
+                                  </p:stCondLst>
+                                  <p:childTnLst>
+                                    <p:set>
+                                      <p:cBhvr>
+                                        <p:cTn id="38" dur="1" fill="hold">
+                                          <p:stCondLst>
+                                            <p:cond delay="0"/>
+                                          </p:stCondLst>
+                                        </p:cTn>
+                                        <p:tgtEl>
+                                          <p:spTgt spid="6">
+                                            <p:txEl>
+                                              <p:pRg st="10" end="10"/>
+                                            </p:txEl>
+                                          </p:spTgt>
+                                        </p:tgtEl>
+                                        <p:attrNameLst>
+                                          <p:attrName>style.visibility</p:attrName>
+                                        </p:attrNameLst>
+                                      </p:cBhvr>
+                                      <p:to>
+                                        <p:strVal val="visible"/>
+                                      </p:to>
+                                    </p:set>
+                                  </p:childTnLst>
+                                </p:cTn>
+                              </p:par>
+                            </p:childTnLst>
+                          </p:cTn>
+                        </p:par>
+                      </p:childTnLst>
+                    </p:cTn>
+                  </p:par>
+                </p:childTnLst>
+              </p:cTn>
+              <p:prevCondLst>
+                <p:cond evt="onPrev" delay="0">
+                  <p:tgtEl>
+                    <p:sldTgt/>
+                  </p:tgtEl>
+                </p:cond>
+              </p:prevCondLst>
+              <p:nextCondLst>
+                <p:cond evt="onNext" delay="0">
+                  <p:tgtEl>
+                    <p:sldTgt/>
+                  </p:tgtEl>
+                </p:cond>
+              </p:nextCondLst>
+            </p:seq>
+          </p:childTnLst>
+        </p:cTn>
+      </p:par>
+    </p:tnLst>
+  </p:timing>
 </p:sld>
 </file>
 
@@ -4695,55 +5251,191 @@
                   <a:srgbClr val="00B0F0"/>
                 </a:solidFill>
               </a:rPr>
-              <a:t>MPG = b0 + b1 * is_USA + b2 * is_Europe</a:t>
-            </a:r>
-          </a:p>
-          <a:p>
-            <a:pPr lvl="1"/>
-            <a:r>
-              <a:rPr lang="en-KW" dirty="0"/>
-              <a:t>If a car is made in the US, MPG increases by b1 </a:t>
-            </a:r>
-            <a:r>
-              <a:rPr lang="en-KW" i="1" u="sng" dirty="0"/>
-              <a:t>RELATIVE</a:t>
-            </a:r>
-            <a:r>
-              <a:rPr lang="en-KW" dirty="0"/>
-              <a:t> to a car made in Japan</a:t>
-            </a:r>
-          </a:p>
-          <a:p>
-            <a:pPr lvl="1"/>
-            <a:r>
-              <a:rPr lang="en-KW" dirty="0"/>
-              <a:t>b0 is now the expected MPG for cars made in Japan</a:t>
-            </a:r>
-          </a:p>
-          <a:p>
-            <a:r>
-              <a:rPr lang="en-KW" dirty="0"/>
-              <a:t>Without this technique, interpretation is a bit harder:</a:t>
-            </a:r>
-          </a:p>
-          <a:p>
-            <a:pPr marL="0" indent="0" algn="ctr">
-              <a:buNone/>
-            </a:pPr>
+              <a:t>MPG = b</a:t>
+            </a:r>
+            <a:r>
+              <a:rPr lang="en-KW" baseline="-25000" dirty="0">
+                <a:solidFill>
+                  <a:srgbClr val="00B0F0"/>
+                </a:solidFill>
+              </a:rPr>
+              <a:t>0</a:t>
+            </a:r>
             <a:r>
               <a:rPr lang="en-KW" dirty="0">
                 <a:solidFill>
                   <a:srgbClr val="00B0F0"/>
                 </a:solidFill>
               </a:rPr>
-              <a:t>MPG = b0 + b1 * is_USA + b2 * is_Europe + b3 * is_Japan</a:t>
+              <a:t> + b</a:t>
+            </a:r>
+            <a:r>
+              <a:rPr lang="en-KW" baseline="-25000" dirty="0">
+                <a:solidFill>
+                  <a:srgbClr val="00B0F0"/>
+                </a:solidFill>
+              </a:rPr>
+              <a:t>1</a:t>
+            </a:r>
+            <a:r>
+              <a:rPr lang="en-KW" dirty="0">
+                <a:solidFill>
+                  <a:srgbClr val="00B0F0"/>
+                </a:solidFill>
+              </a:rPr>
+              <a:t> * is_USA + b</a:t>
+            </a:r>
+            <a:r>
+              <a:rPr lang="en-KW" baseline="-25000" dirty="0">
+                <a:solidFill>
+                  <a:srgbClr val="00B0F0"/>
+                </a:solidFill>
+              </a:rPr>
+              <a:t>2</a:t>
+            </a:r>
+            <a:r>
+              <a:rPr lang="en-KW" dirty="0">
+                <a:solidFill>
+                  <a:srgbClr val="00B0F0"/>
+                </a:solidFill>
+              </a:rPr>
+              <a:t> * is_Europe</a:t>
             </a:r>
           </a:p>
           <a:p>
             <a:pPr lvl="1"/>
             <a:r>
               <a:rPr lang="en-KW" dirty="0"/>
-              <a:t>If a car is made in the US, MPG increases by b1 relative to cars made outside the USA, Europe, and Japan</a:t>
+              <a:t>If a car is made in the US, MPG increases by b</a:t>
+            </a:r>
+            <a:r>
+              <a:rPr lang="en-KW" baseline="-25000" dirty="0"/>
+              <a:t>1</a:t>
+            </a:r>
+            <a:r>
+              <a:rPr lang="en-KW" dirty="0"/>
+              <a:t> </a:t>
+            </a:r>
+            <a:r>
+              <a:rPr lang="en-KW" i="1" u="sng" dirty="0"/>
+              <a:t>RELATIVE</a:t>
+            </a:r>
+            <a:r>
+              <a:rPr lang="en-KW" dirty="0"/>
+              <a:t> to a car made in Japan</a:t>
+            </a:r>
+          </a:p>
+          <a:p>
+            <a:pPr lvl="1"/>
+            <a:r>
+              <a:rPr lang="en-KW" dirty="0"/>
+              <a:t>b</a:t>
+            </a:r>
+            <a:r>
+              <a:rPr lang="en-KW" baseline="-25000" dirty="0"/>
+              <a:t>0</a:t>
+            </a:r>
+            <a:r>
+              <a:rPr lang="en-KW" dirty="0"/>
+              <a:t> is now the expected MPG for cars made in Japan</a:t>
+            </a:r>
+          </a:p>
+          <a:p>
+            <a:r>
+              <a:rPr lang="en-KW" dirty="0"/>
+              <a:t>Without this technique, interpretation is a bit harder:</a:t>
+            </a:r>
+          </a:p>
+          <a:p>
+            <a:pPr marL="0" indent="0" algn="ctr">
+              <a:buNone/>
+            </a:pPr>
+            <a:r>
+              <a:rPr lang="en-KW" dirty="0">
+                <a:solidFill>
+                  <a:srgbClr val="00B0F0"/>
+                </a:solidFill>
+              </a:rPr>
+              <a:t>MPG = b</a:t>
+            </a:r>
+            <a:r>
+              <a:rPr lang="en-KW" baseline="-25000" dirty="0">
+                <a:solidFill>
+                  <a:srgbClr val="00B0F0"/>
+                </a:solidFill>
+              </a:rPr>
+              <a:t>0</a:t>
+            </a:r>
+            <a:r>
+              <a:rPr lang="en-KW" dirty="0">
+                <a:solidFill>
+                  <a:srgbClr val="00B0F0"/>
+                </a:solidFill>
+              </a:rPr>
+              <a:t> + b</a:t>
+            </a:r>
+            <a:r>
+              <a:rPr lang="en-KW" baseline="-25000" dirty="0">
+                <a:solidFill>
+                  <a:srgbClr val="00B0F0"/>
+                </a:solidFill>
+              </a:rPr>
+              <a:t>1</a:t>
+            </a:r>
+            <a:r>
+              <a:rPr lang="en-KW" dirty="0">
+                <a:solidFill>
+                  <a:srgbClr val="00B0F0"/>
+                </a:solidFill>
+              </a:rPr>
+              <a:t> * is_USA + b</a:t>
+            </a:r>
+            <a:r>
+              <a:rPr lang="en-KW" baseline="-25000" dirty="0">
+                <a:solidFill>
+                  <a:srgbClr val="00B0F0"/>
+                </a:solidFill>
+              </a:rPr>
+              <a:t>2</a:t>
+            </a:r>
+            <a:r>
+              <a:rPr lang="en-KW" dirty="0">
+                <a:solidFill>
+                  <a:srgbClr val="00B0F0"/>
+                </a:solidFill>
+              </a:rPr>
+              <a:t> * is_Europe + b</a:t>
+            </a:r>
+            <a:r>
+              <a:rPr lang="en-KW" baseline="-25000" dirty="0">
+                <a:solidFill>
+                  <a:srgbClr val="00B0F0"/>
+                </a:solidFill>
+              </a:rPr>
+              <a:t>3</a:t>
+            </a:r>
+            <a:r>
+              <a:rPr lang="en-KW" dirty="0">
+                <a:solidFill>
+                  <a:srgbClr val="00B0F0"/>
+                </a:solidFill>
+              </a:rPr>
+              <a:t> * is_Japan</a:t>
+            </a:r>
+          </a:p>
+          <a:p>
+            <a:pPr lvl="1"/>
+            <a:r>
+              <a:rPr lang="en-KW" dirty="0"/>
+              <a:t>If a car is made in the US, MPG increases by b</a:t>
+            </a:r>
+            <a:r>
+              <a:rPr lang="en-KW" baseline="-25000" dirty="0"/>
+              <a:t>1</a:t>
+            </a:r>
+            <a:r>
+              <a:rPr lang="en-KW" dirty="0"/>
+              <a:t> relative to cars made outside the USA, Europe, and Japan</a:t>
             </a:r>
           </a:p>
           <a:p>
@@ -4765,6 +5457,410 @@
   <p:clrMapOvr>
     <a:masterClrMapping/>
   </p:clrMapOvr>
+  <p:timing>
+    <p:tnLst>
+      <p:par>
+        <p:cTn id="1" dur="indefinite" restart="never" nodeType="tmRoot">
+          <p:childTnLst>
+            <p:seq concurrent="1" nextAc="seek">
+              <p:cTn id="2" dur="indefinite" nodeType="mainSeq">
+                <p:childTnLst>
+                  <p:par>
+                    <p:cTn id="3" fill="hold">
+                      <p:stCondLst>
+                        <p:cond delay="indefinite"/>
+                      </p:stCondLst>
+                      <p:childTnLst>
+                        <p:par>
+                          <p:cTn id="4" fill="hold">
+                            <p:stCondLst>
+                              <p:cond delay="0"/>
+                            </p:stCondLst>
+                            <p:childTnLst>
+                              <p:par>
+                                <p:cTn id="5" presetID="1" presetClass="entr" presetSubtype="0" fill="hold" nodeType="clickEffect">
+                                  <p:stCondLst>
+                                    <p:cond delay="0"/>
+                                  </p:stCondLst>
+                                  <p:childTnLst>
+                                    <p:set>
+                                      <p:cBhvr>
+                                        <p:cTn id="6" dur="1" fill="hold">
+                                          <p:stCondLst>
+                                            <p:cond delay="0"/>
+                                          </p:stCondLst>
+                                        </p:cTn>
+                                        <p:tgtEl>
+                                          <p:spTgt spid="3">
+                                            <p:txEl>
+                                              <p:pRg st="0" end="0"/>
+                                            </p:txEl>
+                                          </p:spTgt>
+                                        </p:tgtEl>
+                                        <p:attrNameLst>
+                                          <p:attrName>style.visibility</p:attrName>
+                                        </p:attrNameLst>
+                                      </p:cBhvr>
+                                      <p:to>
+                                        <p:strVal val="visible"/>
+                                      </p:to>
+                                    </p:set>
+                                  </p:childTnLst>
+                                </p:cTn>
+                              </p:par>
+                            </p:childTnLst>
+                          </p:cTn>
+                        </p:par>
+                      </p:childTnLst>
+                    </p:cTn>
+                  </p:par>
+                  <p:par>
+                    <p:cTn id="7" fill="hold">
+                      <p:stCondLst>
+                        <p:cond delay="indefinite"/>
+                      </p:stCondLst>
+                      <p:childTnLst>
+                        <p:par>
+                          <p:cTn id="8" fill="hold">
+                            <p:stCondLst>
+                              <p:cond delay="0"/>
+                            </p:stCondLst>
+                            <p:childTnLst>
+                              <p:par>
+                                <p:cTn id="9" presetID="1" presetClass="entr" presetSubtype="0" fill="hold" nodeType="clickEffect">
+                                  <p:stCondLst>
+                                    <p:cond delay="0"/>
+                                  </p:stCondLst>
+                                  <p:childTnLst>
+                                    <p:set>
+                                      <p:cBhvr>
+                                        <p:cTn id="10" dur="1" fill="hold">
+                                          <p:stCondLst>
+                                            <p:cond delay="0"/>
+                                          </p:stCondLst>
+                                        </p:cTn>
+                                        <p:tgtEl>
+                                          <p:spTgt spid="3">
+                                            <p:txEl>
+                                              <p:pRg st="1" end="1"/>
+                                            </p:txEl>
+                                          </p:spTgt>
+                                        </p:tgtEl>
+                                        <p:attrNameLst>
+                                          <p:attrName>style.visibility</p:attrName>
+                                        </p:attrNameLst>
+                                      </p:cBhvr>
+                                      <p:to>
+                                        <p:strVal val="visible"/>
+                                      </p:to>
+                                    </p:set>
+                                  </p:childTnLst>
+                                </p:cTn>
+                              </p:par>
+                            </p:childTnLst>
+                          </p:cTn>
+                        </p:par>
+                      </p:childTnLst>
+                    </p:cTn>
+                  </p:par>
+                  <p:par>
+                    <p:cTn id="11" fill="hold">
+                      <p:stCondLst>
+                        <p:cond delay="indefinite"/>
+                      </p:stCondLst>
+                      <p:childTnLst>
+                        <p:par>
+                          <p:cTn id="12" fill="hold">
+                            <p:stCondLst>
+                              <p:cond delay="0"/>
+                            </p:stCondLst>
+                            <p:childTnLst>
+                              <p:par>
+                                <p:cTn id="13" presetID="1" presetClass="entr" presetSubtype="0" fill="hold" nodeType="clickEffect">
+                                  <p:stCondLst>
+                                    <p:cond delay="0"/>
+                                  </p:stCondLst>
+                                  <p:childTnLst>
+                                    <p:set>
+                                      <p:cBhvr>
+                                        <p:cTn id="14" dur="1" fill="hold">
+                                          <p:stCondLst>
+                                            <p:cond delay="0"/>
+                                          </p:stCondLst>
+                                        </p:cTn>
+                                        <p:tgtEl>
+                                          <p:spTgt spid="3">
+                                            <p:txEl>
+                                              <p:pRg st="2" end="2"/>
+                                            </p:txEl>
+                                          </p:spTgt>
+                                        </p:tgtEl>
+                                        <p:attrNameLst>
+                                          <p:attrName>style.visibility</p:attrName>
+                                        </p:attrNameLst>
+                                      </p:cBhvr>
+                                      <p:to>
+                                        <p:strVal val="visible"/>
+                                      </p:to>
+                                    </p:set>
+                                  </p:childTnLst>
+                                </p:cTn>
+                              </p:par>
+                            </p:childTnLst>
+                          </p:cTn>
+                        </p:par>
+                      </p:childTnLst>
+                    </p:cTn>
+                  </p:par>
+                  <p:par>
+                    <p:cTn id="15" fill="hold">
+                      <p:stCondLst>
+                        <p:cond delay="indefinite"/>
+                      </p:stCondLst>
+                      <p:childTnLst>
+                        <p:par>
+                          <p:cTn id="16" fill="hold">
+                            <p:stCondLst>
+                              <p:cond delay="0"/>
+                            </p:stCondLst>
+                            <p:childTnLst>
+                              <p:par>
+                                <p:cTn id="17" presetID="1" presetClass="entr" presetSubtype="0" fill="hold" nodeType="clickEffect">
+                                  <p:stCondLst>
+                                    <p:cond delay="0"/>
+                                  </p:stCondLst>
+                                  <p:childTnLst>
+                                    <p:set>
+                                      <p:cBhvr>
+                                        <p:cTn id="18" dur="1" fill="hold">
+                                          <p:stCondLst>
+                                            <p:cond delay="0"/>
+                                          </p:stCondLst>
+                                        </p:cTn>
+                                        <p:tgtEl>
+                                          <p:spTgt spid="3">
+                                            <p:txEl>
+                                              <p:pRg st="3" end="3"/>
+                                            </p:txEl>
+                                          </p:spTgt>
+                                        </p:tgtEl>
+                                        <p:attrNameLst>
+                                          <p:attrName>style.visibility</p:attrName>
+                                        </p:attrNameLst>
+                                      </p:cBhvr>
+                                      <p:to>
+                                        <p:strVal val="visible"/>
+                                      </p:to>
+                                    </p:set>
+                                  </p:childTnLst>
+                                </p:cTn>
+                              </p:par>
+                              <p:par>
+                                <p:cTn id="19" presetID="1" presetClass="entr" presetSubtype="0" fill="hold" nodeType="withEffect">
+                                  <p:stCondLst>
+                                    <p:cond delay="0"/>
+                                  </p:stCondLst>
+                                  <p:childTnLst>
+                                    <p:set>
+                                      <p:cBhvr>
+                                        <p:cTn id="20" dur="1" fill="hold">
+                                          <p:stCondLst>
+                                            <p:cond delay="0"/>
+                                          </p:stCondLst>
+                                        </p:cTn>
+                                        <p:tgtEl>
+                                          <p:spTgt spid="3">
+                                            <p:txEl>
+                                              <p:pRg st="4" end="4"/>
+                                            </p:txEl>
+                                          </p:spTgt>
+                                        </p:tgtEl>
+                                        <p:attrNameLst>
+                                          <p:attrName>style.visibility</p:attrName>
+                                        </p:attrNameLst>
+                                      </p:cBhvr>
+                                      <p:to>
+                                        <p:strVal val="visible"/>
+                                      </p:to>
+                                    </p:set>
+                                  </p:childTnLst>
+                                </p:cTn>
+                              </p:par>
+                            </p:childTnLst>
+                          </p:cTn>
+                        </p:par>
+                      </p:childTnLst>
+                    </p:cTn>
+                  </p:par>
+                  <p:par>
+                    <p:cTn id="21" fill="hold">
+                      <p:stCondLst>
+                        <p:cond delay="indefinite"/>
+                      </p:stCondLst>
+                      <p:childTnLst>
+                        <p:par>
+                          <p:cTn id="22" fill="hold">
+                            <p:stCondLst>
+                              <p:cond delay="0"/>
+                            </p:stCondLst>
+                            <p:childTnLst>
+                              <p:par>
+                                <p:cTn id="23" presetID="1" presetClass="entr" presetSubtype="0" fill="hold" nodeType="clickEffect">
+                                  <p:stCondLst>
+                                    <p:cond delay="0"/>
+                                  </p:stCondLst>
+                                  <p:childTnLst>
+                                    <p:set>
+                                      <p:cBhvr>
+                                        <p:cTn id="24" dur="1" fill="hold">
+                                          <p:stCondLst>
+                                            <p:cond delay="0"/>
+                                          </p:stCondLst>
+                                        </p:cTn>
+                                        <p:tgtEl>
+                                          <p:spTgt spid="3">
+                                            <p:txEl>
+                                              <p:pRg st="5" end="5"/>
+                                            </p:txEl>
+                                          </p:spTgt>
+                                        </p:tgtEl>
+                                        <p:attrNameLst>
+                                          <p:attrName>style.visibility</p:attrName>
+                                        </p:attrNameLst>
+                                      </p:cBhvr>
+                                      <p:to>
+                                        <p:strVal val="visible"/>
+                                      </p:to>
+                                    </p:set>
+                                  </p:childTnLst>
+                                </p:cTn>
+                              </p:par>
+                            </p:childTnLst>
+                          </p:cTn>
+                        </p:par>
+                      </p:childTnLst>
+                    </p:cTn>
+                  </p:par>
+                  <p:par>
+                    <p:cTn id="25" fill="hold">
+                      <p:stCondLst>
+                        <p:cond delay="indefinite"/>
+                      </p:stCondLst>
+                      <p:childTnLst>
+                        <p:par>
+                          <p:cTn id="26" fill="hold">
+                            <p:stCondLst>
+                              <p:cond delay="0"/>
+                            </p:stCondLst>
+                            <p:childTnLst>
+                              <p:par>
+                                <p:cTn id="27" presetID="1" presetClass="entr" presetSubtype="0" fill="hold" nodeType="clickEffect">
+                                  <p:stCondLst>
+                                    <p:cond delay="0"/>
+                                  </p:stCondLst>
+                                  <p:childTnLst>
+                                    <p:set>
+                                      <p:cBhvr>
+                                        <p:cTn id="28" dur="1" fill="hold">
+                                          <p:stCondLst>
+                                            <p:cond delay="0"/>
+                                          </p:stCondLst>
+                                        </p:cTn>
+                                        <p:tgtEl>
+                                          <p:spTgt spid="3">
+                                            <p:txEl>
+                                              <p:pRg st="6" end="6"/>
+                                            </p:txEl>
+                                          </p:spTgt>
+                                        </p:tgtEl>
+                                        <p:attrNameLst>
+                                          <p:attrName>style.visibility</p:attrName>
+                                        </p:attrNameLst>
+                                      </p:cBhvr>
+                                      <p:to>
+                                        <p:strVal val="visible"/>
+                                      </p:to>
+                                    </p:set>
+                                  </p:childTnLst>
+                                </p:cTn>
+                              </p:par>
+                            </p:childTnLst>
+                          </p:cTn>
+                        </p:par>
+                      </p:childTnLst>
+                    </p:cTn>
+                  </p:par>
+                  <p:par>
+                    <p:cTn id="29" fill="hold">
+                      <p:stCondLst>
+                        <p:cond delay="indefinite"/>
+                      </p:stCondLst>
+                      <p:childTnLst>
+                        <p:par>
+                          <p:cTn id="30" fill="hold">
+                            <p:stCondLst>
+                              <p:cond delay="0"/>
+                            </p:stCondLst>
+                            <p:childTnLst>
+                              <p:par>
+                                <p:cTn id="31" presetID="1" presetClass="entr" presetSubtype="0" fill="hold" nodeType="clickEffect">
+                                  <p:stCondLst>
+                                    <p:cond delay="0"/>
+                                  </p:stCondLst>
+                                  <p:childTnLst>
+                                    <p:set>
+                                      <p:cBhvr>
+                                        <p:cTn id="32" dur="1" fill="hold">
+                                          <p:stCondLst>
+                                            <p:cond delay="0"/>
+                                          </p:stCondLst>
+                                        </p:cTn>
+                                        <p:tgtEl>
+                                          <p:spTgt spid="3">
+                                            <p:txEl>
+                                              <p:pRg st="7" end="7"/>
+                                            </p:txEl>
+                                          </p:spTgt>
+                                        </p:tgtEl>
+                                        <p:attrNameLst>
+                                          <p:attrName>style.visibility</p:attrName>
+                                        </p:attrNameLst>
+                                      </p:cBhvr>
+                                      <p:to>
+                                        <p:strVal val="visible"/>
+                                      </p:to>
+                                    </p:set>
+                                  </p:childTnLst>
+                                </p:cTn>
+                              </p:par>
+                            </p:childTnLst>
+                          </p:cTn>
+                        </p:par>
+                      </p:childTnLst>
+                    </p:cTn>
+                  </p:par>
+                </p:childTnLst>
+              </p:cTn>
+              <p:prevCondLst>
+                <p:cond evt="onPrev" delay="0">
+                  <p:tgtEl>
+                    <p:sldTgt/>
+                  </p:tgtEl>
+                </p:cond>
+              </p:prevCondLst>
+              <p:nextCondLst>
+                <p:cond evt="onNext" delay="0">
+                  <p:tgtEl>
+                    <p:sldTgt/>
+                  </p:tgtEl>
+                </p:cond>
+              </p:nextCondLst>
+            </p:seq>
+          </p:childTnLst>
+        </p:cTn>
+      </p:par>
+    </p:tnLst>
+  </p:timing>
 </p:sld>
 </file>
 
@@ -4872,7 +5968,39 @@
                   <a:srgbClr val="00B0F0"/>
                 </a:solidFill>
               </a:rPr>
-              <a:t>Price = b0 + b1 * Width * Height</a:t>
+              <a:t>Price = b</a:t>
+            </a:r>
+            <a:r>
+              <a:rPr lang="en-KW" baseline="-25000" dirty="0">
+                <a:solidFill>
+                  <a:srgbClr val="00B0F0"/>
+                </a:solidFill>
+              </a:rPr>
+              <a:t>0</a:t>
+            </a:r>
+            <a:r>
+              <a:rPr lang="en-KW" dirty="0">
+                <a:solidFill>
+                  <a:srgbClr val="00B0F0"/>
+                </a:solidFill>
+              </a:rPr>
+              <a:t> + b</a:t>
+            </a:r>
+            <a:r>
+              <a:rPr lang="en-KW" baseline="-25000" dirty="0">
+                <a:solidFill>
+                  <a:srgbClr val="00B0F0"/>
+                </a:solidFill>
+              </a:rPr>
+              <a:t>1</a:t>
+            </a:r>
+            <a:r>
+              <a:rPr lang="en-KW" dirty="0">
+                <a:solidFill>
+                  <a:srgbClr val="00B0F0"/>
+                </a:solidFill>
+              </a:rPr>
+              <a:t> * Width * Height</a:t>
             </a:r>
           </a:p>
           <a:p>
@@ -4885,14 +6013,30 @@
             <a:pPr lvl="1"/>
             <a:r>
               <a:rPr lang="en-KW" dirty="0"/>
-              <a:t>If width increases by one unit, then the price increases by b1 * height</a:t>
+              <a:t>If width increases by one unit, then the price increases by b</a:t>
+            </a:r>
+            <a:r>
+              <a:rPr lang="en-KW" baseline="-25000" dirty="0"/>
+              <a:t>1</a:t>
+            </a:r>
+            <a:r>
+              <a:rPr lang="en-KW" dirty="0"/>
+              <a:t> * height</a:t>
             </a:r>
           </a:p>
           <a:p>
             <a:pPr lvl="1"/>
             <a:r>
               <a:rPr lang="en-KW" dirty="0"/>
-              <a:t>If height increases by one unit, then the price increases by b1 * width</a:t>
+              <a:t>If height increases by one unit, then the price increases by b</a:t>
+            </a:r>
+            <a:r>
+              <a:rPr lang="en-KW" baseline="-25000" dirty="0"/>
+              <a:t>1</a:t>
+            </a:r>
+            <a:r>
+              <a:rPr lang="en-KW" dirty="0"/>
+              <a:t> * width</a:t>
             </a:r>
           </a:p>
           <a:p>
@@ -4921,6 +6065,847 @@
     <p:extLst>
       <p:ext uri="{BB962C8B-B14F-4D97-AF65-F5344CB8AC3E}">
         <p14:creationId xmlns:p14="http://schemas.microsoft.com/office/powerpoint/2010/main" val="1941280253"/>
+      </p:ext>
+    </p:extLst>
+  </p:cSld>
+  <p:clrMapOvr>
+    <a:masterClrMapping/>
+  </p:clrMapOvr>
+  <p:timing>
+    <p:tnLst>
+      <p:par>
+        <p:cTn id="1" dur="indefinite" restart="never" nodeType="tmRoot">
+          <p:childTnLst>
+            <p:seq concurrent="1" nextAc="seek">
+              <p:cTn id="2" dur="indefinite" nodeType="mainSeq">
+                <p:childTnLst>
+                  <p:par>
+                    <p:cTn id="3" fill="hold">
+                      <p:stCondLst>
+                        <p:cond delay="indefinite"/>
+                      </p:stCondLst>
+                      <p:childTnLst>
+                        <p:par>
+                          <p:cTn id="4" fill="hold">
+                            <p:stCondLst>
+                              <p:cond delay="0"/>
+                            </p:stCondLst>
+                            <p:childTnLst>
+                              <p:par>
+                                <p:cTn id="5" presetID="1" presetClass="entr" presetSubtype="0" fill="hold" nodeType="clickEffect">
+                                  <p:stCondLst>
+                                    <p:cond delay="0"/>
+                                  </p:stCondLst>
+                                  <p:childTnLst>
+                                    <p:set>
+                                      <p:cBhvr>
+                                        <p:cTn id="6" dur="1" fill="hold">
+                                          <p:stCondLst>
+                                            <p:cond delay="0"/>
+                                          </p:stCondLst>
+                                        </p:cTn>
+                                        <p:tgtEl>
+                                          <p:spTgt spid="3">
+                                            <p:txEl>
+                                              <p:pRg st="0" end="0"/>
+                                            </p:txEl>
+                                          </p:spTgt>
+                                        </p:tgtEl>
+                                        <p:attrNameLst>
+                                          <p:attrName>style.visibility</p:attrName>
+                                        </p:attrNameLst>
+                                      </p:cBhvr>
+                                      <p:to>
+                                        <p:strVal val="visible"/>
+                                      </p:to>
+                                    </p:set>
+                                  </p:childTnLst>
+                                </p:cTn>
+                              </p:par>
+                              <p:par>
+                                <p:cTn id="7" presetID="1" presetClass="entr" presetSubtype="0" fill="hold" nodeType="withEffect">
+                                  <p:stCondLst>
+                                    <p:cond delay="0"/>
+                                  </p:stCondLst>
+                                  <p:childTnLst>
+                                    <p:set>
+                                      <p:cBhvr>
+                                        <p:cTn id="8" dur="1" fill="hold">
+                                          <p:stCondLst>
+                                            <p:cond delay="0"/>
+                                          </p:stCondLst>
+                                        </p:cTn>
+                                        <p:tgtEl>
+                                          <p:spTgt spid="3">
+                                            <p:txEl>
+                                              <p:pRg st="1" end="1"/>
+                                            </p:txEl>
+                                          </p:spTgt>
+                                        </p:tgtEl>
+                                        <p:attrNameLst>
+                                          <p:attrName>style.visibility</p:attrName>
+                                        </p:attrNameLst>
+                                      </p:cBhvr>
+                                      <p:to>
+                                        <p:strVal val="visible"/>
+                                      </p:to>
+                                    </p:set>
+                                  </p:childTnLst>
+                                </p:cTn>
+                              </p:par>
+                            </p:childTnLst>
+                          </p:cTn>
+                        </p:par>
+                      </p:childTnLst>
+                    </p:cTn>
+                  </p:par>
+                  <p:par>
+                    <p:cTn id="9" fill="hold">
+                      <p:stCondLst>
+                        <p:cond delay="indefinite"/>
+                      </p:stCondLst>
+                      <p:childTnLst>
+                        <p:par>
+                          <p:cTn id="10" fill="hold">
+                            <p:stCondLst>
+                              <p:cond delay="0"/>
+                            </p:stCondLst>
+                            <p:childTnLst>
+                              <p:par>
+                                <p:cTn id="11" presetID="1" presetClass="entr" presetSubtype="0" fill="hold" nodeType="clickEffect">
+                                  <p:stCondLst>
+                                    <p:cond delay="0"/>
+                                  </p:stCondLst>
+                                  <p:childTnLst>
+                                    <p:set>
+                                      <p:cBhvr>
+                                        <p:cTn id="12" dur="1" fill="hold">
+                                          <p:stCondLst>
+                                            <p:cond delay="0"/>
+                                          </p:stCondLst>
+                                        </p:cTn>
+                                        <p:tgtEl>
+                                          <p:spTgt spid="3">
+                                            <p:txEl>
+                                              <p:pRg st="3" end="3"/>
+                                            </p:txEl>
+                                          </p:spTgt>
+                                        </p:tgtEl>
+                                        <p:attrNameLst>
+                                          <p:attrName>style.visibility</p:attrName>
+                                        </p:attrNameLst>
+                                      </p:cBhvr>
+                                      <p:to>
+                                        <p:strVal val="visible"/>
+                                      </p:to>
+                                    </p:set>
+                                  </p:childTnLst>
+                                </p:cTn>
+                              </p:par>
+                              <p:par>
+                                <p:cTn id="13" presetID="1" presetClass="entr" presetSubtype="0" fill="hold" nodeType="withEffect">
+                                  <p:stCondLst>
+                                    <p:cond delay="0"/>
+                                  </p:stCondLst>
+                                  <p:childTnLst>
+                                    <p:set>
+                                      <p:cBhvr>
+                                        <p:cTn id="14" dur="1" fill="hold">
+                                          <p:stCondLst>
+                                            <p:cond delay="0"/>
+                                          </p:stCondLst>
+                                        </p:cTn>
+                                        <p:tgtEl>
+                                          <p:spTgt spid="3">
+                                            <p:txEl>
+                                              <p:pRg st="4" end="4"/>
+                                            </p:txEl>
+                                          </p:spTgt>
+                                        </p:tgtEl>
+                                        <p:attrNameLst>
+                                          <p:attrName>style.visibility</p:attrName>
+                                        </p:attrNameLst>
+                                      </p:cBhvr>
+                                      <p:to>
+                                        <p:strVal val="visible"/>
+                                      </p:to>
+                                    </p:set>
+                                  </p:childTnLst>
+                                </p:cTn>
+                              </p:par>
+                            </p:childTnLst>
+                          </p:cTn>
+                        </p:par>
+                      </p:childTnLst>
+                    </p:cTn>
+                  </p:par>
+                  <p:par>
+                    <p:cTn id="15" fill="hold">
+                      <p:stCondLst>
+                        <p:cond delay="indefinite"/>
+                      </p:stCondLst>
+                      <p:childTnLst>
+                        <p:par>
+                          <p:cTn id="16" fill="hold">
+                            <p:stCondLst>
+                              <p:cond delay="0"/>
+                            </p:stCondLst>
+                            <p:childTnLst>
+                              <p:par>
+                                <p:cTn id="17" presetID="1" presetClass="entr" presetSubtype="0" fill="hold" nodeType="clickEffect">
+                                  <p:stCondLst>
+                                    <p:cond delay="0"/>
+                                  </p:stCondLst>
+                                  <p:childTnLst>
+                                    <p:set>
+                                      <p:cBhvr>
+                                        <p:cTn id="18" dur="1" fill="hold">
+                                          <p:stCondLst>
+                                            <p:cond delay="0"/>
+                                          </p:stCondLst>
+                                        </p:cTn>
+                                        <p:tgtEl>
+                                          <p:spTgt spid="3">
+                                            <p:txEl>
+                                              <p:pRg st="5" end="5"/>
+                                            </p:txEl>
+                                          </p:spTgt>
+                                        </p:tgtEl>
+                                        <p:attrNameLst>
+                                          <p:attrName>style.visibility</p:attrName>
+                                        </p:attrNameLst>
+                                      </p:cBhvr>
+                                      <p:to>
+                                        <p:strVal val="visible"/>
+                                      </p:to>
+                                    </p:set>
+                                  </p:childTnLst>
+                                </p:cTn>
+                              </p:par>
+                            </p:childTnLst>
+                          </p:cTn>
+                        </p:par>
+                      </p:childTnLst>
+                    </p:cTn>
+                  </p:par>
+                </p:childTnLst>
+              </p:cTn>
+              <p:prevCondLst>
+                <p:cond evt="onPrev" delay="0">
+                  <p:tgtEl>
+                    <p:sldTgt/>
+                  </p:tgtEl>
+                </p:cond>
+              </p:prevCondLst>
+              <p:nextCondLst>
+                <p:cond evt="onNext" delay="0">
+                  <p:tgtEl>
+                    <p:sldTgt/>
+                  </p:tgtEl>
+                </p:cond>
+              </p:nextCondLst>
+            </p:seq>
+          </p:childTnLst>
+        </p:cTn>
+      </p:par>
+    </p:tnLst>
+  </p:timing>
+</p:sld>
+</file>
+
+<file path=ppt/slides/slide5.xml><?xml version="1.0" encoding="utf-8"?>
+<p:sld xmlns:a="http://schemas.openxmlformats.org/drawingml/2006/main" xmlns:r="http://schemas.openxmlformats.org/officeDocument/2006/relationships" xmlns:p="http://schemas.openxmlformats.org/presentationml/2006/main">
+  <p:cSld>
+    <p:spTree>
+      <p:nvGrpSpPr>
+        <p:cNvPr id="1" name=""/>
+        <p:cNvGrpSpPr/>
+        <p:nvPr/>
+      </p:nvGrpSpPr>
+      <p:grpSpPr>
+        <a:xfrm>
+          <a:off x="0" y="0"/>
+          <a:ext cx="0" cy="0"/>
+          <a:chOff x="0" y="0"/>
+          <a:chExt cx="0" cy="0"/>
+        </a:xfrm>
+      </p:grpSpPr>
+      <p:sp>
+        <p:nvSpPr>
+          <p:cNvPr id="2" name="Title 1">
+            <a:extLst>
+              <a:ext uri="{FF2B5EF4-FFF2-40B4-BE49-F238E27FC236}">
+                <a16:creationId xmlns:a16="http://schemas.microsoft.com/office/drawing/2014/main" id="{96C34C60-D1B6-D93A-2F1E-B14D8EDD651E}"/>
+              </a:ext>
+            </a:extLst>
+          </p:cNvPr>
+          <p:cNvSpPr>
+            <a:spLocks noGrp="1"/>
+          </p:cNvSpPr>
+          <p:nvPr>
+            <p:ph type="title"/>
+          </p:nvPr>
+        </p:nvSpPr>
+        <p:spPr/>
+        <p:txBody>
+          <a:bodyPr/>
+          <a:lstStyle/>
+          <a:p>
+            <a:r>
+              <a:rPr lang="en-KW" dirty="0"/>
+              <a:t>Z-Scoring</a:t>
+            </a:r>
+          </a:p>
+        </p:txBody>
+      </p:sp>
+      <mc:AlternateContent xmlns:mc="http://schemas.openxmlformats.org/markup-compatibility/2006">
+        <mc:Choice xmlns:a14="http://schemas.microsoft.com/office/drawing/2010/main" Requires="a14">
+          <p:sp>
+            <p:nvSpPr>
+              <p:cNvPr id="3" name="Content Placeholder 2">
+                <a:extLst>
+                  <a:ext uri="{FF2B5EF4-FFF2-40B4-BE49-F238E27FC236}">
+                    <a16:creationId xmlns:a16="http://schemas.microsoft.com/office/drawing/2014/main" id="{CFBA9CD6-8B30-3720-4A82-7F44C9B50EB7}"/>
+                  </a:ext>
+                </a:extLst>
+              </p:cNvPr>
+              <p:cNvSpPr>
+                <a:spLocks noGrp="1"/>
+              </p:cNvSpPr>
+              <p:nvPr>
+                <p:ph idx="1"/>
+              </p:nvPr>
+            </p:nvSpPr>
+            <p:spPr/>
+            <p:txBody>
+              <a:bodyPr>
+                <a:normAutofit/>
+              </a:bodyPr>
+              <a:lstStyle/>
+              <a:p>
+                <a:r>
+                  <a:rPr lang="en-KW" dirty="0"/>
+                  <a:t>If you are Z-scoring the inputs in a linear model, you need to transform coefficients so that you can interpret them in the context of u-zscored original X</a:t>
+                </a:r>
+                <a:endParaRPr lang="en-KW" dirty="0">
+                  <a:solidFill>
+                    <a:srgbClr val="0070C0"/>
+                  </a:solidFill>
+                </a:endParaRPr>
+              </a:p>
+              <a:p>
+                <a:r>
+                  <a:rPr lang="en-KW" dirty="0">
+                    <a:solidFill>
+                      <a:srgbClr val="0070C0"/>
+                    </a:solidFill>
+                  </a:rPr>
+                  <a:t>Requires a bit of algebra:</a:t>
+                </a:r>
+              </a:p>
+              <a:p>
+                <a:pPr marL="0" indent="0" algn="ctr">
+                  <a:buNone/>
+                </a:pPr>
+                <a14:m>
+                  <m:oMathPara xmlns:m="http://schemas.openxmlformats.org/officeDocument/2006/math">
+                    <m:oMathParaPr>
+                      <m:jc m:val="centerGroup"/>
+                    </m:oMathParaPr>
+                    <m:oMath xmlns:m="http://schemas.openxmlformats.org/officeDocument/2006/math">
+                      <m:sSubSup>
+                        <m:sSubSupPr>
+                          <m:ctrlPr>
+                            <a:rPr lang="en-US" b="0" i="1" smtClean="0">
+                              <a:solidFill>
+                                <a:srgbClr val="7030A0"/>
+                              </a:solidFill>
+                              <a:latin typeface="Cambria Math" panose="02040503050406030204" pitchFamily="18" charset="0"/>
+                            </a:rPr>
+                          </m:ctrlPr>
+                        </m:sSubSupPr>
+                        <m:e>
+                          <m:r>
+                            <a:rPr lang="en-US" b="0" i="1" smtClean="0">
+                              <a:solidFill>
+                                <a:srgbClr val="7030A0"/>
+                              </a:solidFill>
+                              <a:latin typeface="Cambria Math" panose="02040503050406030204" pitchFamily="18" charset="0"/>
+                            </a:rPr>
+                            <m:t>𝑏</m:t>
+                          </m:r>
+                        </m:e>
+                        <m:sub>
+                          <m:r>
+                            <a:rPr lang="en-US" b="0" i="1" smtClean="0">
+                              <a:solidFill>
+                                <a:srgbClr val="7030A0"/>
+                              </a:solidFill>
+                              <a:latin typeface="Cambria Math" panose="02040503050406030204" pitchFamily="18" charset="0"/>
+                            </a:rPr>
+                            <m:t>0</m:t>
+                          </m:r>
+                        </m:sub>
+                        <m:sup>
+                          <m:r>
+                            <a:rPr lang="en-US" b="0" i="1" smtClean="0">
+                              <a:solidFill>
+                                <a:srgbClr val="7030A0"/>
+                              </a:solidFill>
+                              <a:latin typeface="Cambria Math" panose="02040503050406030204" pitchFamily="18" charset="0"/>
+                            </a:rPr>
+                            <m:t>′</m:t>
+                          </m:r>
+                        </m:sup>
+                      </m:sSubSup>
+                      <m:r>
+                        <a:rPr lang="en-US" b="0" i="1" smtClean="0">
+                          <a:solidFill>
+                            <a:srgbClr val="7030A0"/>
+                          </a:solidFill>
+                          <a:latin typeface="Cambria Math" panose="02040503050406030204" pitchFamily="18" charset="0"/>
+                        </a:rPr>
+                        <m:t>=</m:t>
+                      </m:r>
+                      <m:sSub>
+                        <m:sSubPr>
+                          <m:ctrlPr>
+                            <a:rPr lang="en-US" b="0" i="1" smtClean="0">
+                              <a:solidFill>
+                                <a:srgbClr val="7030A0"/>
+                              </a:solidFill>
+                              <a:latin typeface="Cambria Math" panose="02040503050406030204" pitchFamily="18" charset="0"/>
+                            </a:rPr>
+                          </m:ctrlPr>
+                        </m:sSubPr>
+                        <m:e>
+                          <m:r>
+                            <a:rPr lang="en-US" b="0" i="1" smtClean="0">
+                              <a:solidFill>
+                                <a:srgbClr val="7030A0"/>
+                              </a:solidFill>
+                              <a:latin typeface="Cambria Math" panose="02040503050406030204" pitchFamily="18" charset="0"/>
+                            </a:rPr>
+                            <m:t>𝑏</m:t>
+                          </m:r>
+                        </m:e>
+                        <m:sub>
+                          <m:r>
+                            <a:rPr lang="en-US" b="0" i="1" smtClean="0">
+                              <a:solidFill>
+                                <a:srgbClr val="7030A0"/>
+                              </a:solidFill>
+                              <a:latin typeface="Cambria Math" panose="02040503050406030204" pitchFamily="18" charset="0"/>
+                            </a:rPr>
+                            <m:t>0</m:t>
+                          </m:r>
+                        </m:sub>
+                      </m:sSub>
+                      <m:r>
+                        <a:rPr lang="en-US" b="0" i="1" smtClean="0">
+                          <a:solidFill>
+                            <a:srgbClr val="7030A0"/>
+                          </a:solidFill>
+                          <a:latin typeface="Cambria Math" panose="02040503050406030204" pitchFamily="18" charset="0"/>
+                        </a:rPr>
+                        <m:t>−</m:t>
+                      </m:r>
+                      <m:nary>
+                        <m:naryPr>
+                          <m:chr m:val="∑"/>
+                          <m:supHide m:val="on"/>
+                          <m:ctrlPr>
+                            <a:rPr lang="en-US" b="0" i="1" smtClean="0">
+                              <a:solidFill>
+                                <a:srgbClr val="7030A0"/>
+                              </a:solidFill>
+                              <a:latin typeface="Cambria Math" panose="02040503050406030204" pitchFamily="18" charset="0"/>
+                            </a:rPr>
+                          </m:ctrlPr>
+                        </m:naryPr>
+                        <m:sub>
+                          <m:r>
+                            <a:rPr lang="en-US" b="0" i="1" smtClean="0">
+                              <a:solidFill>
+                                <a:srgbClr val="7030A0"/>
+                              </a:solidFill>
+                              <a:latin typeface="Cambria Math" panose="02040503050406030204" pitchFamily="18" charset="0"/>
+                            </a:rPr>
+                            <m:t>𝑘</m:t>
+                          </m:r>
+                        </m:sub>
+                        <m:sup/>
+                        <m:e>
+                          <m:sSub>
+                            <m:sSubPr>
+                              <m:ctrlPr>
+                                <a:rPr lang="en-US" b="0" i="1" smtClean="0">
+                                  <a:solidFill>
+                                    <a:srgbClr val="7030A0"/>
+                                  </a:solidFill>
+                                  <a:latin typeface="Cambria Math" panose="02040503050406030204" pitchFamily="18" charset="0"/>
+                                </a:rPr>
+                              </m:ctrlPr>
+                            </m:sSubPr>
+                            <m:e>
+                              <m:r>
+                                <a:rPr lang="en-US" b="0" i="1" smtClean="0">
+                                  <a:solidFill>
+                                    <a:srgbClr val="7030A0"/>
+                                  </a:solidFill>
+                                  <a:latin typeface="Cambria Math" panose="02040503050406030204" pitchFamily="18" charset="0"/>
+                                </a:rPr>
+                                <m:t>𝑏</m:t>
+                              </m:r>
+                            </m:e>
+                            <m:sub>
+                              <m:r>
+                                <a:rPr lang="en-US" b="0" i="1" smtClean="0">
+                                  <a:solidFill>
+                                    <a:srgbClr val="7030A0"/>
+                                  </a:solidFill>
+                                  <a:latin typeface="Cambria Math" panose="02040503050406030204" pitchFamily="18" charset="0"/>
+                                </a:rPr>
+                                <m:t>𝑘</m:t>
+                              </m:r>
+                            </m:sub>
+                          </m:sSub>
+                          <m:f>
+                            <m:fPr>
+                              <m:ctrlPr>
+                                <a:rPr lang="en-US" b="0" i="1">
+                                  <a:solidFill>
+                                    <a:srgbClr val="7030A0"/>
+                                  </a:solidFill>
+                                  <a:latin typeface="Cambria Math" panose="02040503050406030204" pitchFamily="18" charset="0"/>
+                                </a:rPr>
+                              </m:ctrlPr>
+                            </m:fPr>
+                            <m:num>
+                              <m:sSub>
+                                <m:sSubPr>
+                                  <m:ctrlPr>
+                                    <a:rPr lang="en-US" b="0" i="1">
+                                      <a:solidFill>
+                                        <a:srgbClr val="7030A0"/>
+                                      </a:solidFill>
+                                      <a:latin typeface="Cambria Math" panose="02040503050406030204" pitchFamily="18" charset="0"/>
+                                    </a:rPr>
+                                  </m:ctrlPr>
+                                </m:sSubPr>
+                                <m:e>
+                                  <m:r>
+                                    <a:rPr lang="en-US" b="0" i="1">
+                                      <a:solidFill>
+                                        <a:srgbClr val="7030A0"/>
+                                      </a:solidFill>
+                                      <a:latin typeface="Cambria Math" panose="02040503050406030204" pitchFamily="18" charset="0"/>
+                                    </a:rPr>
+                                    <m:t>𝜇</m:t>
+                                  </m:r>
+                                </m:e>
+                                <m:sub>
+                                  <m:r>
+                                    <a:rPr lang="en-US" b="0" i="1" smtClean="0">
+                                      <a:solidFill>
+                                        <a:srgbClr val="7030A0"/>
+                                      </a:solidFill>
+                                      <a:latin typeface="Cambria Math" panose="02040503050406030204" pitchFamily="18" charset="0"/>
+                                    </a:rPr>
+                                    <m:t>𝑘</m:t>
+                                  </m:r>
+                                </m:sub>
+                              </m:sSub>
+                            </m:num>
+                            <m:den>
+                              <m:sSub>
+                                <m:sSubPr>
+                                  <m:ctrlPr>
+                                    <a:rPr lang="en-US" b="0" i="1">
+                                      <a:solidFill>
+                                        <a:srgbClr val="7030A0"/>
+                                      </a:solidFill>
+                                      <a:latin typeface="Cambria Math" panose="02040503050406030204" pitchFamily="18" charset="0"/>
+                                    </a:rPr>
+                                  </m:ctrlPr>
+                                </m:sSubPr>
+                                <m:e>
+                                  <m:r>
+                                    <a:rPr lang="en-US" b="0" i="1">
+                                      <a:solidFill>
+                                        <a:srgbClr val="7030A0"/>
+                                      </a:solidFill>
+                                      <a:latin typeface="Cambria Math" panose="02040503050406030204" pitchFamily="18" charset="0"/>
+                                    </a:rPr>
+                                    <m:t>𝜎</m:t>
+                                  </m:r>
+                                </m:e>
+                                <m:sub>
+                                  <m:r>
+                                    <a:rPr lang="en-US" b="0" i="1" smtClean="0">
+                                      <a:solidFill>
+                                        <a:srgbClr val="7030A0"/>
+                                      </a:solidFill>
+                                      <a:latin typeface="Cambria Math" panose="02040503050406030204" pitchFamily="18" charset="0"/>
+                                    </a:rPr>
+                                    <m:t>𝑘</m:t>
+                                  </m:r>
+                                </m:sub>
+                              </m:sSub>
+                            </m:den>
+                          </m:f>
+                        </m:e>
+                      </m:nary>
+                    </m:oMath>
+                  </m:oMathPara>
+                </a14:m>
+                <a:endParaRPr lang="en-KW" b="0" dirty="0">
+                  <a:solidFill>
+                    <a:srgbClr val="7030A0"/>
+                  </a:solidFill>
+                </a:endParaRPr>
+              </a:p>
+              <a:p>
+                <a:pPr marL="0" indent="0" algn="ctr">
+                  <a:buNone/>
+                </a:pPr>
+                <a:endParaRPr lang="en-KW" b="0" dirty="0">
+                  <a:solidFill>
+                    <a:srgbClr val="7030A0"/>
+                  </a:solidFill>
+                </a:endParaRPr>
+              </a:p>
+              <a:p>
+                <a:pPr marL="0" indent="0" algn="ctr">
+                  <a:buNone/>
+                </a:pPr>
+                <a14:m>
+                  <m:oMathPara xmlns:m="http://schemas.openxmlformats.org/officeDocument/2006/math">
+                    <m:oMathParaPr>
+                      <m:jc m:val="centerGroup"/>
+                    </m:oMathParaPr>
+                    <m:oMath xmlns:m="http://schemas.openxmlformats.org/officeDocument/2006/math">
+                      <m:sSubSup>
+                        <m:sSubSupPr>
+                          <m:ctrlPr>
+                            <a:rPr lang="en-US" b="0" i="1" smtClean="0">
+                              <a:solidFill>
+                                <a:srgbClr val="7030A0"/>
+                              </a:solidFill>
+                              <a:latin typeface="Cambria Math" panose="02040503050406030204" pitchFamily="18" charset="0"/>
+                            </a:rPr>
+                          </m:ctrlPr>
+                        </m:sSubSupPr>
+                        <m:e>
+                          <m:r>
+                            <a:rPr lang="en-US" b="0" i="1" smtClean="0">
+                              <a:solidFill>
+                                <a:srgbClr val="7030A0"/>
+                              </a:solidFill>
+                              <a:latin typeface="Cambria Math" panose="02040503050406030204" pitchFamily="18" charset="0"/>
+                            </a:rPr>
+                            <m:t>𝑏</m:t>
+                          </m:r>
+                        </m:e>
+                        <m:sub>
+                          <m:r>
+                            <a:rPr lang="en-US" b="0" i="1" smtClean="0">
+                              <a:solidFill>
+                                <a:srgbClr val="7030A0"/>
+                              </a:solidFill>
+                              <a:latin typeface="Cambria Math" panose="02040503050406030204" pitchFamily="18" charset="0"/>
+                            </a:rPr>
+                            <m:t>𝑘</m:t>
+                          </m:r>
+                        </m:sub>
+                        <m:sup>
+                          <m:r>
+                            <a:rPr lang="en-US" b="0" i="1" smtClean="0">
+                              <a:solidFill>
+                                <a:srgbClr val="7030A0"/>
+                              </a:solidFill>
+                              <a:latin typeface="Cambria Math" panose="02040503050406030204" pitchFamily="18" charset="0"/>
+                            </a:rPr>
+                            <m:t>′</m:t>
+                          </m:r>
+                        </m:sup>
+                      </m:sSubSup>
+                      <m:r>
+                        <a:rPr lang="en-US" b="0" i="1" smtClean="0">
+                          <a:solidFill>
+                            <a:srgbClr val="7030A0"/>
+                          </a:solidFill>
+                          <a:latin typeface="Cambria Math" panose="02040503050406030204" pitchFamily="18" charset="0"/>
+                        </a:rPr>
+                        <m:t>=</m:t>
+                      </m:r>
+                      <m:f>
+                        <m:fPr>
+                          <m:ctrlPr>
+                            <a:rPr lang="en-US" b="0" i="1" smtClean="0">
+                              <a:solidFill>
+                                <a:srgbClr val="7030A0"/>
+                              </a:solidFill>
+                              <a:latin typeface="Cambria Math" panose="02040503050406030204" pitchFamily="18" charset="0"/>
+                            </a:rPr>
+                          </m:ctrlPr>
+                        </m:fPr>
+                        <m:num>
+                          <m:sSub>
+                            <m:sSubPr>
+                              <m:ctrlPr>
+                                <a:rPr lang="en-US" b="0" i="1" smtClean="0">
+                                  <a:solidFill>
+                                    <a:srgbClr val="7030A0"/>
+                                  </a:solidFill>
+                                  <a:latin typeface="Cambria Math" panose="02040503050406030204" pitchFamily="18" charset="0"/>
+                                </a:rPr>
+                              </m:ctrlPr>
+                            </m:sSubPr>
+                            <m:e>
+                              <m:r>
+                                <a:rPr lang="en-US" b="0" i="1" smtClean="0">
+                                  <a:solidFill>
+                                    <a:srgbClr val="7030A0"/>
+                                  </a:solidFill>
+                                  <a:latin typeface="Cambria Math" panose="02040503050406030204" pitchFamily="18" charset="0"/>
+                                </a:rPr>
+                                <m:t>𝛽</m:t>
+                              </m:r>
+                            </m:e>
+                            <m:sub>
+                              <m:r>
+                                <a:rPr lang="en-US" b="0" i="1" smtClean="0">
+                                  <a:solidFill>
+                                    <a:srgbClr val="7030A0"/>
+                                  </a:solidFill>
+                                  <a:latin typeface="Cambria Math" panose="02040503050406030204" pitchFamily="18" charset="0"/>
+                                </a:rPr>
+                                <m:t>𝑘</m:t>
+                              </m:r>
+                            </m:sub>
+                          </m:sSub>
+                        </m:num>
+                        <m:den>
+                          <m:sSub>
+                            <m:sSubPr>
+                              <m:ctrlPr>
+                                <a:rPr lang="en-US" b="0" i="1" smtClean="0">
+                                  <a:solidFill>
+                                    <a:srgbClr val="7030A0"/>
+                                  </a:solidFill>
+                                  <a:latin typeface="Cambria Math" panose="02040503050406030204" pitchFamily="18" charset="0"/>
+                                </a:rPr>
+                              </m:ctrlPr>
+                            </m:sSubPr>
+                            <m:e>
+                              <m:r>
+                                <a:rPr lang="en-US" b="0" i="1" smtClean="0">
+                                  <a:solidFill>
+                                    <a:srgbClr val="7030A0"/>
+                                  </a:solidFill>
+                                  <a:latin typeface="Cambria Math" panose="02040503050406030204" pitchFamily="18" charset="0"/>
+                                </a:rPr>
+                                <m:t>𝜎</m:t>
+                              </m:r>
+                            </m:e>
+                            <m:sub>
+                              <m:r>
+                                <a:rPr lang="en-US" b="0" i="1" smtClean="0">
+                                  <a:solidFill>
+                                    <a:srgbClr val="7030A0"/>
+                                  </a:solidFill>
+                                  <a:latin typeface="Cambria Math" panose="02040503050406030204" pitchFamily="18" charset="0"/>
+                                </a:rPr>
+                                <m:t>𝑘</m:t>
+                              </m:r>
+                            </m:sub>
+                          </m:sSub>
+                        </m:den>
+                      </m:f>
+                    </m:oMath>
+                  </m:oMathPara>
+                </a14:m>
+                <a:endParaRPr lang="en-KW" b="0" dirty="0">
+                  <a:solidFill>
+                    <a:srgbClr val="0070C0"/>
+                  </a:solidFill>
+                </a:endParaRPr>
+              </a:p>
+              <a:p>
+                <a:endParaRPr lang="en-US" dirty="0">
+                  <a:solidFill>
+                    <a:srgbClr val="0070C0"/>
+                  </a:solidFill>
+                </a:endParaRPr>
+              </a:p>
+              <a:p>
+                <a:pPr marL="0" indent="0">
+                  <a:buNone/>
+                </a:pPr>
+                <a:endParaRPr lang="en-US" dirty="0">
+                  <a:solidFill>
+                    <a:srgbClr val="0070C0"/>
+                  </a:solidFill>
+                </a:endParaRPr>
+              </a:p>
+              <a:p>
+                <a:pPr marL="0" indent="0">
+                  <a:buNone/>
+                </a:pPr>
+                <a:endParaRPr lang="en-KW" dirty="0">
+                  <a:solidFill>
+                    <a:srgbClr val="0070C0"/>
+                  </a:solidFill>
+                </a:endParaRPr>
+              </a:p>
+            </p:txBody>
+          </p:sp>
+        </mc:Choice>
+        <mc:Fallback>
+          <p:sp>
+            <p:nvSpPr>
+              <p:cNvPr id="3" name="Content Placeholder 2">
+                <a:extLst>
+                  <a:ext uri="{FF2B5EF4-FFF2-40B4-BE49-F238E27FC236}">
+                    <a16:creationId xmlns:a16="http://schemas.microsoft.com/office/drawing/2014/main" id="{CFBA9CD6-8B30-3720-4A82-7F44C9B50EB7}"/>
+                  </a:ext>
+                </a:extLst>
+              </p:cNvPr>
+              <p:cNvSpPr>
+                <a:spLocks noGrp="1" noRot="1" noChangeAspect="1" noMove="1" noResize="1" noEditPoints="1" noAdjustHandles="1" noChangeArrowheads="1" noChangeShapeType="1" noTextEdit="1"/>
+              </p:cNvSpPr>
+              <p:nvPr>
+                <p:ph idx="1"/>
+              </p:nvPr>
+            </p:nvSpPr>
+            <p:spPr>
+              <a:blipFill>
+                <a:blip r:embed="rId2"/>
+                <a:stretch>
+                  <a:fillRect l="-1086" t="-2326" b="-10465"/>
+                </a:stretch>
+              </a:blipFill>
+            </p:spPr>
+            <p:txBody>
+              <a:bodyPr/>
+              <a:lstStyle/>
+              <a:p>
+                <a:r>
+                  <a:rPr lang="en-KW">
+                    <a:noFill/>
+                  </a:rPr>
+                  <a:t> </a:t>
+                </a:r>
+              </a:p>
+            </p:txBody>
+          </p:sp>
+        </mc:Fallback>
+      </mc:AlternateContent>
+    </p:spTree>
+    <p:extLst>
+      <p:ext uri="{BB962C8B-B14F-4D97-AF65-F5344CB8AC3E}">
+        <p14:creationId xmlns:p14="http://schemas.microsoft.com/office/powerpoint/2010/main" val="174161406"/>
       </p:ext>
     </p:extLst>
   </p:cSld>
